--- a/generated_ppts/cat.pptx
+++ b/generated_ppts/cat.pptx
@@ -11,6 +11,7 @@
     <p:sldId id="259" r:id="rId10"/>
     <p:sldId id="260" r:id="rId11"/>
     <p:sldId id="261" r:id="rId12"/>
+    <p:sldId id="262" r:id="rId13"/>
   </p:sldIdLst>
   <p:sldSz cx="14630400" cy="8229600" type="screen4x3"/>
   <p:notesSz cx="6858000" cy="9144000"/>
@@ -3086,6 +3087,14 @@
 <file path=ppt/slides/slide1.xml><?xml version="1.0" encoding="utf-8"?>
 <p:sld xmlns:a="http://schemas.openxmlformats.org/drawingml/2006/main" xmlns:p="http://schemas.openxmlformats.org/presentationml/2006/main" xmlns:r="http://schemas.openxmlformats.org/officeDocument/2006/relationships">
   <p:cSld>
+    <p:bg>
+      <p:bgPr>
+        <a:solidFill>
+          <a:srgbClr val="FF0000"/>
+        </a:solidFill>
+        <a:effectLst/>
+      </p:bgPr>
+    </p:bg>
     <p:spTree>
       <p:nvGrpSpPr>
         <p:cNvPr id="1" name=""/>
@@ -3108,8 +3117,16 @@
           <a:bodyPr/>
           <a:lstStyle/>
           <a:p>
-            <a:r>
-              <a:t>cat</a:t>
+            <a:pPr>
+              <a:defRPr>
+                <a:solidFill>
+                  <a:srgbClr val="000000"/>
+                </a:solidFill>
+                <a:latin typeface="Verdana"/>
+              </a:defRPr>
+            </a:pPr>
+            <a:r>
+              <a:t>Cat</a:t>
             </a:r>
           </a:p>
         </p:txBody>
@@ -3129,8 +3146,16 @@
           <a:bodyPr/>
           <a:lstStyle/>
           <a:p>
-            <a:r>
-              <a:t>AI-Generated PPT with Comprehensive Information</a:t>
+            <a:pPr>
+              <a:defRPr>
+                <a:solidFill>
+                  <a:srgbClr val="000000"/>
+                </a:solidFill>
+                <a:latin typeface="Verdana"/>
+              </a:defRPr>
+            </a:pPr>
+            <a:r>
+              <a:t>AI-Generated Presentation</a:t>
             </a:r>
           </a:p>
         </p:txBody>
@@ -3146,6 +3171,14 @@
 <file path=ppt/slides/slide2.xml><?xml version="1.0" encoding="utf-8"?>
 <p:sld xmlns:a="http://schemas.openxmlformats.org/drawingml/2006/main" xmlns:p="http://schemas.openxmlformats.org/presentationml/2006/main" xmlns:r="http://schemas.openxmlformats.org/officeDocument/2006/relationships">
   <p:cSld>
+    <p:bg>
+      <p:bgPr>
+        <a:solidFill>
+          <a:srgbClr val="FF0000"/>
+        </a:solidFill>
+        <a:effectLst/>
+      </p:bgPr>
+    </p:bg>
     <p:spTree>
       <p:nvGrpSpPr>
         <p:cNvPr id="1" name=""/>
@@ -3168,15 +3201,72 @@
           <a:bodyPr/>
           <a:lstStyle/>
           <a:p>
-            <a:r>
-              <a:t>cat - Introduction</a:t>
+            <a:pPr>
+              <a:defRPr>
+                <a:solidFill>
+                  <a:srgbClr val="000000"/>
+                </a:solidFill>
+                <a:latin typeface="Verdana"/>
+              </a:defRPr>
+            </a:pPr>
+            <a:r>
+              <a:t>Introduction - Cat</a:t>
+            </a:r>
+          </a:p>
+        </p:txBody>
+      </p:sp>
+      <p:sp>
+        <p:nvSpPr>
+          <p:cNvPr id="3" name="TextBox 2"/>
+          <p:cNvSpPr txBox="1"/>
+          <p:nvPr/>
+        </p:nvSpPr>
+        <p:spPr>
+          <a:xfrm>
+            <a:off x="914400" y="1828800"/>
+            <a:ext cx="9144000" cy="3657600"/>
+          </a:xfrm>
+          <a:prstGeom prst="rect">
+            <a:avLst/>
+          </a:prstGeom>
+          <a:noFill/>
+        </p:spPr>
+        <p:txBody>
+          <a:bodyPr wrap="square">
+            <a:spAutoFit/>
+          </a:bodyPr>
+          <a:lstStyle/>
+          <a:p>
+            <a:pPr>
+              <a:defRPr>
+                <a:solidFill>
+                  <a:srgbClr val="000000"/>
+                </a:solidFill>
+                <a:latin typeface="Verdana"/>
+              </a:defRPr>
+            </a:pPr>
+            <a:r>
+              <a:t>Introduction on Cat:</a:t>
+            </a:r>
+          </a:p>
+          <a:p>
+            <a:pPr>
+              <a:defRPr sz="2000">
+                <a:solidFill>
+                  <a:srgbClr val="000000"/>
+                </a:solidFill>
+                <a:latin typeface="Verdana"/>
+              </a:defRPr>
+            </a:pPr>
+            <a:r>
+              <a:t>- No relevant data found.</a:t>
             </a:r>
           </a:p>
         </p:txBody>
       </p:sp>
       <p:pic>
         <p:nvPicPr>
-          <p:cNvPr id="3" name="Picture 2" descr="image.jpg"/>
+          <p:cNvPr id="4" name="Picture 3" descr="image.jpg"/>
           <p:cNvPicPr>
             <a:picLocks noChangeAspect="1"/>
           </p:cNvPicPr>
@@ -3190,166 +3280,14 @@
         </p:blipFill>
         <p:spPr>
           <a:xfrm>
-            <a:off x="914400" y="1828800"/>
-            <a:ext cx="4572000" cy="4776716"/>
+            <a:off x="10058400" y="1828800"/>
+            <a:ext cx="3657600" cy="3821373"/>
           </a:xfrm>
           <a:prstGeom prst="rect">
             <a:avLst/>
           </a:prstGeom>
         </p:spPr>
       </p:pic>
-      <p:sp>
-        <p:nvSpPr>
-          <p:cNvPr id="4" name="TextBox 3"/>
-          <p:cNvSpPr txBox="1"/>
-          <p:nvPr/>
-        </p:nvSpPr>
-        <p:spPr>
-          <a:xfrm>
-            <a:off x="5943600" y="1828800"/>
-            <a:ext cx="6400800" cy="2743200"/>
-          </a:xfrm>
-          <a:prstGeom prst="rect">
-            <a:avLst/>
-          </a:prstGeom>
-          <a:noFill/>
-        </p:spPr>
-        <p:txBody>
-          <a:bodyPr wrap="none">
-            <a:spAutoFit/>
-          </a:bodyPr>
-          <a:lstStyle/>
-          <a:p>
-            <a:r>
-              <a:t>Introduction on cat:</a:t>
-            </a:r>
-          </a:p>
-          <a:p>
-            <a:pPr>
-              <a:defRPr sz="1800">
-                <a:latin typeface="Times New Roman"/>
-              </a:defRPr>
-            </a:pPr>
-            <a:r>
-              <a:t>- Error fetching Wikipedia data: "can" may refer to: </a:t>
-            </a:r>
-            <a:br/>
-            <a:r>
-              <a:t>ability</a:t>
-            </a:r>
-            <a:br/>
-            <a:br/>
-            <a:r>
-              <a:t>probability</a:t>
-            </a:r>
-            <a:br/>
-            <a:r>
-              <a:t>canning</a:t>
-            </a:r>
-            <a:br/>
-            <a:r>
-              <a:t>Aluminum can</a:t>
-            </a:r>
-            <a:br/>
-            <a:r>
-              <a:t>Drink can</a:t>
-            </a:r>
-            <a:br/>
-            <a:r>
-              <a:t>Steel and tin can</a:t>
-            </a:r>
-            <a:br/>
-            <a:r>
-              <a:t>s</a:t>
-            </a:r>
-            <a:br/>
-            <a:r>
-              <a:t>Trash can</a:t>
-            </a:r>
-            <a:br/>
-            <a:r>
-              <a:t>Oil can</a:t>
-            </a:r>
-            <a:br/>
-            <a:r>
-              <a:t>Petrol can</a:t>
-            </a:r>
-            <a:br/>
-            <a:r>
-              <a:t>Can (band)</a:t>
-            </a:r>
-            <a:br/>
-            <a:r>
-              <a:t>Can (album)</a:t>
-            </a:r>
-            <a:br/>
-            <a:r>
-              <a:t>Can (S</a:t>
-            </a:r>
-            <a:br/>
-            <a:r>
-              <a:t>outh Korean band)</a:t>
-            </a:r>
-            <a:br/>
-            <a:r>
-              <a:t>Canada</a:t>
-            </a:r>
-            <a:br/>
-            <a:r>
-              <a:t>Cantoris</a:t>
-            </a:r>
-            <a:br/>
-            <a:r>
-              <a:t>Can (name)</a:t>
-            </a:r>
-            <a:br/>
-            <a:r>
-              <a:t>Can (verb)</a:t>
-            </a:r>
-            <a:br/>
-            <a:r>
-              <a:t>Cann</a:t>
-            </a:r>
-            <a:br/>
-            <a:r>
-              <a:t>ing</a:t>
-            </a:r>
-            <a:br/>
-            <a:r>
-              <a:t>River Can</a:t>
-            </a:r>
-            <a:br/>
-            <a:r>
-              <a:t>Tomato can (sports idiom)</a:t>
-            </a:r>
-            <a:br/>
-            <a:r>
-              <a:t>CAN (disambiguation)</a:t>
-            </a:r>
-            <a:br/>
-            <a:br/>
-            <a:r>
-              <a:t>Cann (disambiguation)</a:t>
-            </a:r>
-            <a:br/>
-            <a:r>
-              <a:t>Cans (disambiguation)</a:t>
-            </a:r>
-            <a:br/>
-            <a:r>
-              <a:t>Kan (disambigua</a:t>
-            </a:r>
-            <a:br/>
-            <a:r>
-              <a:t>tion)</a:t>
-            </a:r>
-            <a:br/>
-            <a:r>
-              <a:t>Can-can (disambiguation)</a:t>
-            </a:r>
-          </a:p>
-        </p:txBody>
-      </p:sp>
     </p:spTree>
   </p:cSld>
   <p:clrMapOvr>
@@ -3361,6 +3299,14 @@
 <file path=ppt/slides/slide3.xml><?xml version="1.0" encoding="utf-8"?>
 <p:sld xmlns:a="http://schemas.openxmlformats.org/drawingml/2006/main" xmlns:p="http://schemas.openxmlformats.org/presentationml/2006/main" xmlns:r="http://schemas.openxmlformats.org/officeDocument/2006/relationships">
   <p:cSld>
+    <p:bg>
+      <p:bgPr>
+        <a:solidFill>
+          <a:srgbClr val="FF0000"/>
+        </a:solidFill>
+        <a:effectLst/>
+      </p:bgPr>
+    </p:bg>
     <p:spTree>
       <p:nvGrpSpPr>
         <p:cNvPr id="1" name=""/>
@@ -3383,15 +3329,121 @@
           <a:bodyPr/>
           <a:lstStyle/>
           <a:p>
-            <a:r>
-              <a:t>cat - Characteristics</a:t>
+            <a:pPr>
+              <a:defRPr>
+                <a:solidFill>
+                  <a:srgbClr val="000000"/>
+                </a:solidFill>
+                <a:latin typeface="Verdana"/>
+              </a:defRPr>
+            </a:pPr>
+            <a:r>
+              <a:t>Key Features - Cat</a:t>
+            </a:r>
+          </a:p>
+        </p:txBody>
+      </p:sp>
+      <p:sp>
+        <p:nvSpPr>
+          <p:cNvPr id="3" name="TextBox 2"/>
+          <p:cNvSpPr txBox="1"/>
+          <p:nvPr/>
+        </p:nvSpPr>
+        <p:spPr>
+          <a:xfrm>
+            <a:off x="914400" y="1828800"/>
+            <a:ext cx="9144000" cy="3657600"/>
+          </a:xfrm>
+          <a:prstGeom prst="rect">
+            <a:avLst/>
+          </a:prstGeom>
+          <a:noFill/>
+        </p:spPr>
+        <p:txBody>
+          <a:bodyPr wrap="square">
+            <a:spAutoFit/>
+          </a:bodyPr>
+          <a:lstStyle/>
+          <a:p>
+            <a:pPr>
+              <a:defRPr>
+                <a:solidFill>
+                  <a:srgbClr val="000000"/>
+                </a:solidFill>
+                <a:latin typeface="Verdana"/>
+              </a:defRPr>
+            </a:pPr>
+            <a:r>
+              <a:t>Key Features on Cat:</a:t>
+            </a:r>
+          </a:p>
+          <a:p>
+            <a:pPr>
+              <a:defRPr sz="2000">
+                <a:solidFill>
+                  <a:srgbClr val="000000"/>
+                </a:solidFill>
+                <a:latin typeface="Verdana"/>
+              </a:defRPr>
+            </a:pPr>
+            <a:r>
+              <a:t>- Tournament of Champions is an American reality cooking competition series broadcast by Food Network</a:t>
+            </a:r>
+          </a:p>
+          <a:p>
+            <a:pPr>
+              <a:defRPr sz="2000">
+                <a:solidFill>
+                  <a:srgbClr val="000000"/>
+                </a:solidFill>
+                <a:latin typeface="Verdana"/>
+              </a:defRPr>
+            </a:pPr>
+            <a:r>
+              <a:t>- Created and hosted by Guy Fieri, the series features alumni of other Food Network competition series competing in a single-elimination tournament for a grand prize.</a:t>
+            </a:r>
+            <a:br/>
+            <a:br/>
+            <a:br/>
+            <a:r>
+              <a:t>== Format ==</a:t>
+            </a:r>
+            <a:br/>
+            <a:r>
+              <a:t>The competition is a single-elimination tournament played between chefs divided into East and West divisions, consisting primarily of alumni or champions of other cooking competition series (particularly, those aired by Food Network)</a:t>
+            </a:r>
+          </a:p>
+          <a:p>
+            <a:pPr>
+              <a:defRPr sz="2000">
+                <a:solidFill>
+                  <a:srgbClr val="000000"/>
+                </a:solidFill>
+                <a:latin typeface="Verdana"/>
+              </a:defRPr>
+            </a:pPr>
+            <a:r>
+              <a:t>- In each match, the two participating chefs must cook a dish with parameters determined by "the Randomizer"—a five-reel, slot machine-like board spun by Fieri to determine required protein and produce ingredients, required equipment, cooking style, and the time limit</a:t>
+            </a:r>
+          </a:p>
+          <a:p>
+            <a:pPr>
+              <a:defRPr sz="2000">
+                <a:solidFill>
+                  <a:srgbClr val="000000"/>
+                </a:solidFill>
+                <a:latin typeface="Verdana"/>
+              </a:defRPr>
+            </a:pPr>
+            <a:r>
+              <a:t>- When time expires, the completed dishes are judged and scored blind by a panel of judges to determine the winner.</a:t>
             </a:r>
           </a:p>
         </p:txBody>
       </p:sp>
       <p:pic>
         <p:nvPicPr>
-          <p:cNvPr id="3" name="Picture 2" descr="image.jpg"/>
+          <p:cNvPr id="4" name="Picture 3" descr="image.jpg"/>
           <p:cNvPicPr>
             <a:picLocks noChangeAspect="1"/>
           </p:cNvPicPr>
@@ -3405,166 +3457,14 @@
         </p:blipFill>
         <p:spPr>
           <a:xfrm>
-            <a:off x="914400" y="1828800"/>
-            <a:ext cx="4572000" cy="3036433"/>
+            <a:off x="10058400" y="1828800"/>
+            <a:ext cx="3657600" cy="2429146"/>
           </a:xfrm>
           <a:prstGeom prst="rect">
             <a:avLst/>
           </a:prstGeom>
         </p:spPr>
       </p:pic>
-      <p:sp>
-        <p:nvSpPr>
-          <p:cNvPr id="4" name="TextBox 3"/>
-          <p:cNvSpPr txBox="1"/>
-          <p:nvPr/>
-        </p:nvSpPr>
-        <p:spPr>
-          <a:xfrm>
-            <a:off x="5943600" y="1828800"/>
-            <a:ext cx="6400800" cy="2743200"/>
-          </a:xfrm>
-          <a:prstGeom prst="rect">
-            <a:avLst/>
-          </a:prstGeom>
-          <a:noFill/>
-        </p:spPr>
-        <p:txBody>
-          <a:bodyPr wrap="none">
-            <a:spAutoFit/>
-          </a:bodyPr>
-          <a:lstStyle/>
-          <a:p>
-            <a:r>
-              <a:t>Characteristics on cat:</a:t>
-            </a:r>
-          </a:p>
-          <a:p>
-            <a:pPr>
-              <a:defRPr sz="1800">
-                <a:latin typeface="Times New Roman"/>
-              </a:defRPr>
-            </a:pPr>
-            <a:r>
-              <a:t>- Error fetching Wikipedia data: "can" may refer to: </a:t>
-            </a:r>
-            <a:br/>
-            <a:r>
-              <a:t>ability</a:t>
-            </a:r>
-            <a:br/>
-            <a:br/>
-            <a:r>
-              <a:t>probability</a:t>
-            </a:r>
-            <a:br/>
-            <a:r>
-              <a:t>canning</a:t>
-            </a:r>
-            <a:br/>
-            <a:r>
-              <a:t>Aluminum can</a:t>
-            </a:r>
-            <a:br/>
-            <a:r>
-              <a:t>Drink can</a:t>
-            </a:r>
-            <a:br/>
-            <a:r>
-              <a:t>Steel and tin can</a:t>
-            </a:r>
-            <a:br/>
-            <a:r>
-              <a:t>s</a:t>
-            </a:r>
-            <a:br/>
-            <a:r>
-              <a:t>Trash can</a:t>
-            </a:r>
-            <a:br/>
-            <a:r>
-              <a:t>Oil can</a:t>
-            </a:r>
-            <a:br/>
-            <a:r>
-              <a:t>Petrol can</a:t>
-            </a:r>
-            <a:br/>
-            <a:r>
-              <a:t>Can (band)</a:t>
-            </a:r>
-            <a:br/>
-            <a:r>
-              <a:t>Can (album)</a:t>
-            </a:r>
-            <a:br/>
-            <a:r>
-              <a:t>Can (S</a:t>
-            </a:r>
-            <a:br/>
-            <a:r>
-              <a:t>outh Korean band)</a:t>
-            </a:r>
-            <a:br/>
-            <a:r>
-              <a:t>Canada</a:t>
-            </a:r>
-            <a:br/>
-            <a:r>
-              <a:t>Cantoris</a:t>
-            </a:r>
-            <a:br/>
-            <a:r>
-              <a:t>Can (name)</a:t>
-            </a:r>
-            <a:br/>
-            <a:r>
-              <a:t>Can (verb)</a:t>
-            </a:r>
-            <a:br/>
-            <a:r>
-              <a:t>Cann</a:t>
-            </a:r>
-            <a:br/>
-            <a:r>
-              <a:t>ing</a:t>
-            </a:r>
-            <a:br/>
-            <a:r>
-              <a:t>River Can</a:t>
-            </a:r>
-            <a:br/>
-            <a:r>
-              <a:t>Tomato can (sports idiom)</a:t>
-            </a:r>
-            <a:br/>
-            <a:r>
-              <a:t>CAN (disambiguation)</a:t>
-            </a:r>
-            <a:br/>
-            <a:br/>
-            <a:r>
-              <a:t>Cann (disambiguation)</a:t>
-            </a:r>
-            <a:br/>
-            <a:r>
-              <a:t>Cans (disambiguation)</a:t>
-            </a:r>
-            <a:br/>
-            <a:r>
-              <a:t>Kan (disambigua</a:t>
-            </a:r>
-            <a:br/>
-            <a:r>
-              <a:t>tion)</a:t>
-            </a:r>
-            <a:br/>
-            <a:r>
-              <a:t>Can-can (disambiguation)</a:t>
-            </a:r>
-          </a:p>
-        </p:txBody>
-      </p:sp>
     </p:spTree>
   </p:cSld>
   <p:clrMapOvr>
@@ -3576,6 +3476,14 @@
 <file path=ppt/slides/slide4.xml><?xml version="1.0" encoding="utf-8"?>
 <p:sld xmlns:a="http://schemas.openxmlformats.org/drawingml/2006/main" xmlns:p="http://schemas.openxmlformats.org/presentationml/2006/main" xmlns:r="http://schemas.openxmlformats.org/officeDocument/2006/relationships">
   <p:cSld>
+    <p:bg>
+      <p:bgPr>
+        <a:solidFill>
+          <a:srgbClr val="FF0000"/>
+        </a:solidFill>
+        <a:effectLst/>
+      </p:bgPr>
+    </p:bg>
     <p:spTree>
       <p:nvGrpSpPr>
         <p:cNvPr id="1" name=""/>
@@ -3598,15 +3506,111 @@
           <a:bodyPr/>
           <a:lstStyle/>
           <a:p>
-            <a:r>
-              <a:t>cat - Evolution</a:t>
+            <a:pPr>
+              <a:defRPr>
+                <a:solidFill>
+                  <a:srgbClr val="000000"/>
+                </a:solidFill>
+                <a:latin typeface="Verdana"/>
+              </a:defRPr>
+            </a:pPr>
+            <a:r>
+              <a:t>Benefits - Cat</a:t>
+            </a:r>
+          </a:p>
+        </p:txBody>
+      </p:sp>
+      <p:sp>
+        <p:nvSpPr>
+          <p:cNvPr id="3" name="TextBox 2"/>
+          <p:cNvSpPr txBox="1"/>
+          <p:nvPr/>
+        </p:nvSpPr>
+        <p:spPr>
+          <a:xfrm>
+            <a:off x="914400" y="1828800"/>
+            <a:ext cx="9144000" cy="3657600"/>
+          </a:xfrm>
+          <a:prstGeom prst="rect">
+            <a:avLst/>
+          </a:prstGeom>
+          <a:noFill/>
+        </p:spPr>
+        <p:txBody>
+          <a:bodyPr wrap="square">
+            <a:spAutoFit/>
+          </a:bodyPr>
+          <a:lstStyle/>
+          <a:p>
+            <a:pPr>
+              <a:defRPr>
+                <a:solidFill>
+                  <a:srgbClr val="000000"/>
+                </a:solidFill>
+                <a:latin typeface="Verdana"/>
+              </a:defRPr>
+            </a:pPr>
+            <a:r>
+              <a:t>Benefits on Cat:</a:t>
+            </a:r>
+          </a:p>
+          <a:p>
+            <a:pPr>
+              <a:defRPr sz="2000">
+                <a:solidFill>
+                  <a:srgbClr val="000000"/>
+                </a:solidFill>
+                <a:latin typeface="Verdana"/>
+              </a:defRPr>
+            </a:pPr>
+            <a:r>
+              <a:t>- The cat (Felis catus), also referred to as the domestic cat or house cat, is a small domesticated carnivorous mammal</a:t>
+            </a:r>
+          </a:p>
+          <a:p>
+            <a:pPr>
+              <a:defRPr sz="2000">
+                <a:solidFill>
+                  <a:srgbClr val="000000"/>
+                </a:solidFill>
+                <a:latin typeface="Verdana"/>
+              </a:defRPr>
+            </a:pPr>
+            <a:r>
+              <a:t>- It is the only domesticated species of the family Felidae</a:t>
+            </a:r>
+          </a:p>
+          <a:p>
+            <a:pPr>
+              <a:defRPr sz="2000">
+                <a:solidFill>
+                  <a:srgbClr val="000000"/>
+                </a:solidFill>
+                <a:latin typeface="Verdana"/>
+              </a:defRPr>
+            </a:pPr>
+            <a:r>
+              <a:t>- Advances in archaeology and genetics have shown that the domestication of the cat occurred in the Near East around 7500 BC</a:t>
+            </a:r>
+          </a:p>
+          <a:p>
+            <a:pPr>
+              <a:defRPr sz="2000">
+                <a:solidFill>
+                  <a:srgbClr val="000000"/>
+                </a:solidFill>
+                <a:latin typeface="Verdana"/>
+              </a:defRPr>
+            </a:pPr>
+            <a:r>
+              <a:t>- It is commonly kept as a pet and farm cat, but also ranges freely as a feral cat avoiding human contact</a:t>
             </a:r>
           </a:p>
         </p:txBody>
       </p:sp>
       <p:pic>
         <p:nvPicPr>
-          <p:cNvPr id="3" name="Picture 2" descr="image.jpg"/>
+          <p:cNvPr id="4" name="Picture 3" descr="image.jpg"/>
           <p:cNvPicPr>
             <a:picLocks noChangeAspect="1"/>
           </p:cNvPicPr>
@@ -3620,166 +3624,14 @@
         </p:blipFill>
         <p:spPr>
           <a:xfrm>
-            <a:off x="914400" y="1828800"/>
-            <a:ext cx="4572000" cy="3048000"/>
+            <a:off x="10058400" y="1828800"/>
+            <a:ext cx="3657600" cy="2438400"/>
           </a:xfrm>
           <a:prstGeom prst="rect">
             <a:avLst/>
           </a:prstGeom>
         </p:spPr>
       </p:pic>
-      <p:sp>
-        <p:nvSpPr>
-          <p:cNvPr id="4" name="TextBox 3"/>
-          <p:cNvSpPr txBox="1"/>
-          <p:nvPr/>
-        </p:nvSpPr>
-        <p:spPr>
-          <a:xfrm>
-            <a:off x="5943600" y="1828800"/>
-            <a:ext cx="6400800" cy="2743200"/>
-          </a:xfrm>
-          <a:prstGeom prst="rect">
-            <a:avLst/>
-          </a:prstGeom>
-          <a:noFill/>
-        </p:spPr>
-        <p:txBody>
-          <a:bodyPr wrap="none">
-            <a:spAutoFit/>
-          </a:bodyPr>
-          <a:lstStyle/>
-          <a:p>
-            <a:r>
-              <a:t>Evolution on cat:</a:t>
-            </a:r>
-          </a:p>
-          <a:p>
-            <a:pPr>
-              <a:defRPr sz="1800">
-                <a:latin typeface="Times New Roman"/>
-              </a:defRPr>
-            </a:pPr>
-            <a:r>
-              <a:t>- Error fetching Wikipedia data: "can" may refer to: </a:t>
-            </a:r>
-            <a:br/>
-            <a:r>
-              <a:t>ability</a:t>
-            </a:r>
-            <a:br/>
-            <a:br/>
-            <a:r>
-              <a:t>probability</a:t>
-            </a:r>
-            <a:br/>
-            <a:r>
-              <a:t>canning</a:t>
-            </a:r>
-            <a:br/>
-            <a:r>
-              <a:t>Aluminum can</a:t>
-            </a:r>
-            <a:br/>
-            <a:r>
-              <a:t>Drink can</a:t>
-            </a:r>
-            <a:br/>
-            <a:r>
-              <a:t>Steel and tin can</a:t>
-            </a:r>
-            <a:br/>
-            <a:r>
-              <a:t>s</a:t>
-            </a:r>
-            <a:br/>
-            <a:r>
-              <a:t>Trash can</a:t>
-            </a:r>
-            <a:br/>
-            <a:r>
-              <a:t>Oil can</a:t>
-            </a:r>
-            <a:br/>
-            <a:r>
-              <a:t>Petrol can</a:t>
-            </a:r>
-            <a:br/>
-            <a:r>
-              <a:t>Can (band)</a:t>
-            </a:r>
-            <a:br/>
-            <a:r>
-              <a:t>Can (album)</a:t>
-            </a:r>
-            <a:br/>
-            <a:r>
-              <a:t>Can (S</a:t>
-            </a:r>
-            <a:br/>
-            <a:r>
-              <a:t>outh Korean band)</a:t>
-            </a:r>
-            <a:br/>
-            <a:r>
-              <a:t>Canada</a:t>
-            </a:r>
-            <a:br/>
-            <a:r>
-              <a:t>Cantoris</a:t>
-            </a:r>
-            <a:br/>
-            <a:r>
-              <a:t>Can (name)</a:t>
-            </a:r>
-            <a:br/>
-            <a:r>
-              <a:t>Can (verb)</a:t>
-            </a:r>
-            <a:br/>
-            <a:r>
-              <a:t>Cann</a:t>
-            </a:r>
-            <a:br/>
-            <a:r>
-              <a:t>ing</a:t>
-            </a:r>
-            <a:br/>
-            <a:r>
-              <a:t>River Can</a:t>
-            </a:r>
-            <a:br/>
-            <a:r>
-              <a:t>Tomato can (sports idiom)</a:t>
-            </a:r>
-            <a:br/>
-            <a:r>
-              <a:t>CAN (disambiguation)</a:t>
-            </a:r>
-            <a:br/>
-            <a:br/>
-            <a:r>
-              <a:t>Cann (disambiguation)</a:t>
-            </a:r>
-            <a:br/>
-            <a:r>
-              <a:t>Cans (disambiguation)</a:t>
-            </a:r>
-            <a:br/>
-            <a:r>
-              <a:t>Kan (disambigua</a:t>
-            </a:r>
-            <a:br/>
-            <a:r>
-              <a:t>tion)</a:t>
-            </a:r>
-            <a:br/>
-            <a:r>
-              <a:t>Can-can (disambiguation)</a:t>
-            </a:r>
-          </a:p>
-        </p:txBody>
-      </p:sp>
     </p:spTree>
   </p:cSld>
   <p:clrMapOvr>
@@ -3791,6 +3643,14 @@
 <file path=ppt/slides/slide5.xml><?xml version="1.0" encoding="utf-8"?>
 <p:sld xmlns:a="http://schemas.openxmlformats.org/drawingml/2006/main" xmlns:p="http://schemas.openxmlformats.org/presentationml/2006/main" xmlns:r="http://schemas.openxmlformats.org/officeDocument/2006/relationships">
   <p:cSld>
+    <p:bg>
+      <p:bgPr>
+        <a:solidFill>
+          <a:srgbClr val="FF0000"/>
+        </a:solidFill>
+        <a:effectLst/>
+      </p:bgPr>
+    </p:bg>
     <p:spTree>
       <p:nvGrpSpPr>
         <p:cNvPr id="1" name=""/>
@@ -3813,15 +3673,111 @@
           <a:bodyPr/>
           <a:lstStyle/>
           <a:p>
-            <a:r>
-              <a:t>cat - Importance</a:t>
+            <a:pPr>
+              <a:defRPr>
+                <a:solidFill>
+                  <a:srgbClr val="000000"/>
+                </a:solidFill>
+                <a:latin typeface="Verdana"/>
+              </a:defRPr>
+            </a:pPr>
+            <a:r>
+              <a:t>Challenges - Cat</a:t>
+            </a:r>
+          </a:p>
+        </p:txBody>
+      </p:sp>
+      <p:sp>
+        <p:nvSpPr>
+          <p:cNvPr id="3" name="TextBox 2"/>
+          <p:cNvSpPr txBox="1"/>
+          <p:nvPr/>
+        </p:nvSpPr>
+        <p:spPr>
+          <a:xfrm>
+            <a:off x="914400" y="1828800"/>
+            <a:ext cx="9144000" cy="3657600"/>
+          </a:xfrm>
+          <a:prstGeom prst="rect">
+            <a:avLst/>
+          </a:prstGeom>
+          <a:noFill/>
+        </p:spPr>
+        <p:txBody>
+          <a:bodyPr wrap="square">
+            <a:spAutoFit/>
+          </a:bodyPr>
+          <a:lstStyle/>
+          <a:p>
+            <a:pPr>
+              <a:defRPr>
+                <a:solidFill>
+                  <a:srgbClr val="000000"/>
+                </a:solidFill>
+                <a:latin typeface="Verdana"/>
+              </a:defRPr>
+            </a:pPr>
+            <a:r>
+              <a:t>Challenges on Cat:</a:t>
+            </a:r>
+          </a:p>
+          <a:p>
+            <a:pPr>
+              <a:defRPr sz="2000">
+                <a:solidFill>
+                  <a:srgbClr val="000000"/>
+                </a:solidFill>
+                <a:latin typeface="Verdana"/>
+              </a:defRPr>
+            </a:pPr>
+            <a:r>
+              <a:t>- The cat (Felis catus), also referred to as the domestic cat or house cat, is a small domesticated carnivorous mammal</a:t>
+            </a:r>
+          </a:p>
+          <a:p>
+            <a:pPr>
+              <a:defRPr sz="2000">
+                <a:solidFill>
+                  <a:srgbClr val="000000"/>
+                </a:solidFill>
+                <a:latin typeface="Verdana"/>
+              </a:defRPr>
+            </a:pPr>
+            <a:r>
+              <a:t>- It is the only domesticated species of the family Felidae</a:t>
+            </a:r>
+          </a:p>
+          <a:p>
+            <a:pPr>
+              <a:defRPr sz="2000">
+                <a:solidFill>
+                  <a:srgbClr val="000000"/>
+                </a:solidFill>
+                <a:latin typeface="Verdana"/>
+              </a:defRPr>
+            </a:pPr>
+            <a:r>
+              <a:t>- Advances in archaeology and genetics have shown that the domestication of the cat occurred in the Near East around 7500 BC</a:t>
+            </a:r>
+          </a:p>
+          <a:p>
+            <a:pPr>
+              <a:defRPr sz="2000">
+                <a:solidFill>
+                  <a:srgbClr val="000000"/>
+                </a:solidFill>
+                <a:latin typeface="Verdana"/>
+              </a:defRPr>
+            </a:pPr>
+            <a:r>
+              <a:t>- It is commonly kept as a pet and farm cat, but also ranges freely as a feral cat avoiding human contact</a:t>
             </a:r>
           </a:p>
         </p:txBody>
       </p:sp>
       <p:pic>
         <p:nvPicPr>
-          <p:cNvPr id="3" name="Picture 2" descr="image.jpg"/>
+          <p:cNvPr id="4" name="Picture 3" descr="image.jpg"/>
           <p:cNvPicPr>
             <a:picLocks noChangeAspect="1"/>
           </p:cNvPicPr>
@@ -3835,166 +3791,14 @@
         </p:blipFill>
         <p:spPr>
           <a:xfrm>
-            <a:off x="914400" y="1828800"/>
-            <a:ext cx="4572000" cy="6867811"/>
+            <a:off x="10058400" y="1828800"/>
+            <a:ext cx="3657600" cy="5494249"/>
           </a:xfrm>
           <a:prstGeom prst="rect">
             <a:avLst/>
           </a:prstGeom>
         </p:spPr>
       </p:pic>
-      <p:sp>
-        <p:nvSpPr>
-          <p:cNvPr id="4" name="TextBox 3"/>
-          <p:cNvSpPr txBox="1"/>
-          <p:nvPr/>
-        </p:nvSpPr>
-        <p:spPr>
-          <a:xfrm>
-            <a:off x="5943600" y="1828800"/>
-            <a:ext cx="6400800" cy="2743200"/>
-          </a:xfrm>
-          <a:prstGeom prst="rect">
-            <a:avLst/>
-          </a:prstGeom>
-          <a:noFill/>
-        </p:spPr>
-        <p:txBody>
-          <a:bodyPr wrap="none">
-            <a:spAutoFit/>
-          </a:bodyPr>
-          <a:lstStyle/>
-          <a:p>
-            <a:r>
-              <a:t>Importance on cat:</a:t>
-            </a:r>
-          </a:p>
-          <a:p>
-            <a:pPr>
-              <a:defRPr sz="1800">
-                <a:latin typeface="Times New Roman"/>
-              </a:defRPr>
-            </a:pPr>
-            <a:r>
-              <a:t>- Error fetching Wikipedia data: "can" may refer to: </a:t>
-            </a:r>
-            <a:br/>
-            <a:r>
-              <a:t>ability</a:t>
-            </a:r>
-            <a:br/>
-            <a:br/>
-            <a:r>
-              <a:t>probability</a:t>
-            </a:r>
-            <a:br/>
-            <a:r>
-              <a:t>canning</a:t>
-            </a:r>
-            <a:br/>
-            <a:r>
-              <a:t>Aluminum can</a:t>
-            </a:r>
-            <a:br/>
-            <a:r>
-              <a:t>Drink can</a:t>
-            </a:r>
-            <a:br/>
-            <a:r>
-              <a:t>Steel and tin can</a:t>
-            </a:r>
-            <a:br/>
-            <a:r>
-              <a:t>s</a:t>
-            </a:r>
-            <a:br/>
-            <a:r>
-              <a:t>Trash can</a:t>
-            </a:r>
-            <a:br/>
-            <a:r>
-              <a:t>Oil can</a:t>
-            </a:r>
-            <a:br/>
-            <a:r>
-              <a:t>Petrol can</a:t>
-            </a:r>
-            <a:br/>
-            <a:r>
-              <a:t>Can (band)</a:t>
-            </a:r>
-            <a:br/>
-            <a:r>
-              <a:t>Can (album)</a:t>
-            </a:r>
-            <a:br/>
-            <a:r>
-              <a:t>Can (S</a:t>
-            </a:r>
-            <a:br/>
-            <a:r>
-              <a:t>outh Korean band)</a:t>
-            </a:r>
-            <a:br/>
-            <a:r>
-              <a:t>Canada</a:t>
-            </a:r>
-            <a:br/>
-            <a:r>
-              <a:t>Cantoris</a:t>
-            </a:r>
-            <a:br/>
-            <a:r>
-              <a:t>Can (name)</a:t>
-            </a:r>
-            <a:br/>
-            <a:r>
-              <a:t>Can (verb)</a:t>
-            </a:r>
-            <a:br/>
-            <a:r>
-              <a:t>Cann</a:t>
-            </a:r>
-            <a:br/>
-            <a:r>
-              <a:t>ing</a:t>
-            </a:r>
-            <a:br/>
-            <a:r>
-              <a:t>River Can</a:t>
-            </a:r>
-            <a:br/>
-            <a:r>
-              <a:t>Tomato can (sports idiom)</a:t>
-            </a:r>
-            <a:br/>
-            <a:r>
-              <a:t>CAN (disambiguation)</a:t>
-            </a:r>
-            <a:br/>
-            <a:br/>
-            <a:r>
-              <a:t>Cann (disambiguation)</a:t>
-            </a:r>
-            <a:br/>
-            <a:r>
-              <a:t>Cans (disambiguation)</a:t>
-            </a:r>
-            <a:br/>
-            <a:r>
-              <a:t>Kan (disambigua</a:t>
-            </a:r>
-            <a:br/>
-            <a:r>
-              <a:t>tion)</a:t>
-            </a:r>
-            <a:br/>
-            <a:r>
-              <a:t>Can-can (disambiguation)</a:t>
-            </a:r>
-          </a:p>
-        </p:txBody>
-      </p:sp>
     </p:spTree>
   </p:cSld>
   <p:clrMapOvr>
@@ -4006,6 +3810,14 @@
 <file path=ppt/slides/slide6.xml><?xml version="1.0" encoding="utf-8"?>
 <p:sld xmlns:a="http://schemas.openxmlformats.org/drawingml/2006/main" xmlns:p="http://schemas.openxmlformats.org/presentationml/2006/main" xmlns:r="http://schemas.openxmlformats.org/officeDocument/2006/relationships">
   <p:cSld>
+    <p:bg>
+      <p:bgPr>
+        <a:solidFill>
+          <a:srgbClr val="FF0000"/>
+        </a:solidFill>
+        <a:effectLst/>
+      </p:bgPr>
+    </p:bg>
     <p:spTree>
       <p:nvGrpSpPr>
         <p:cNvPr id="1" name=""/>
@@ -4028,15 +3840,101 @@
           <a:bodyPr/>
           <a:lstStyle/>
           <a:p>
-            <a:r>
-              <a:t>cat - Future Trends</a:t>
+            <a:pPr>
+              <a:defRPr>
+                <a:solidFill>
+                  <a:srgbClr val="000000"/>
+                </a:solidFill>
+                <a:latin typeface="Verdana"/>
+              </a:defRPr>
+            </a:pPr>
+            <a:r>
+              <a:t>Future Scope - Cat</a:t>
+            </a:r>
+          </a:p>
+        </p:txBody>
+      </p:sp>
+      <p:sp>
+        <p:nvSpPr>
+          <p:cNvPr id="3" name="TextBox 2"/>
+          <p:cNvSpPr txBox="1"/>
+          <p:nvPr/>
+        </p:nvSpPr>
+        <p:spPr>
+          <a:xfrm>
+            <a:off x="914400" y="1828800"/>
+            <a:ext cx="9144000" cy="3657600"/>
+          </a:xfrm>
+          <a:prstGeom prst="rect">
+            <a:avLst/>
+          </a:prstGeom>
+          <a:noFill/>
+        </p:spPr>
+        <p:txBody>
+          <a:bodyPr wrap="square">
+            <a:spAutoFit/>
+          </a:bodyPr>
+          <a:lstStyle/>
+          <a:p>
+            <a:pPr>
+              <a:defRPr>
+                <a:solidFill>
+                  <a:srgbClr val="000000"/>
+                </a:solidFill>
+                <a:latin typeface="Verdana"/>
+              </a:defRPr>
+            </a:pPr>
+            <a:r>
+              <a:t>Future Scope on Cat:</a:t>
+            </a:r>
+          </a:p>
+          <a:p>
+            <a:pPr>
+              <a:defRPr sz="2000">
+                <a:solidFill>
+                  <a:srgbClr val="000000"/>
+                </a:solidFill>
+                <a:latin typeface="Verdana"/>
+              </a:defRPr>
+            </a:pPr>
+            <a:r>
+              <a:t>- Save the Cat! The Last Book on Screenwriting You'll Ever Need is a 2005 non-fiction book on screenwriting by spec-screenwriter Blake Snyder, exploring plot structure in mainstream film</a:t>
+            </a:r>
+          </a:p>
+          <a:p>
+            <a:pPr>
+              <a:defRPr sz="2000">
+                <a:solidFill>
+                  <a:srgbClr val="000000"/>
+                </a:solidFill>
+                <a:latin typeface="Verdana"/>
+              </a:defRPr>
+            </a:pPr>
+            <a:r>
+              <a:t>- Snyder's approach has been widely adopted throughout the film industry and the book has remained a bestseller since publication, though it has received criticism for sexism and for offering what is perceived as an overly formulaic view of structure.</a:t>
+            </a:r>
+            <a:br/>
+            <a:br/>
+            <a:br/>
+            <a:r>
+              <a:t>== Summary ==</a:t>
+            </a:r>
+            <a:br/>
+            <a:br/>
+            <a:br/>
+            <a:r>
+              <a:t>=== Chapter 1: What Is It? ===</a:t>
+            </a:r>
+            <a:br/>
+            <a:r>
+              <a:t>Snyder begins by arguing for the importance of developing a logline prior to writing the script.</a:t>
             </a:r>
           </a:p>
         </p:txBody>
       </p:sp>
       <p:pic>
         <p:nvPicPr>
-          <p:cNvPr id="3" name="Picture 2" descr="image.jpg"/>
+          <p:cNvPr id="4" name="Picture 3" descr="image.jpg"/>
           <p:cNvPicPr>
             <a:picLocks noChangeAspect="1"/>
           </p:cNvPicPr>
@@ -4050,24 +3948,79 @@
         </p:blipFill>
         <p:spPr>
           <a:xfrm>
-            <a:off x="914400" y="1828800"/>
-            <a:ext cx="4572000" cy="6867811"/>
+            <a:off x="10058400" y="1828800"/>
+            <a:ext cx="3657600" cy="5494249"/>
           </a:xfrm>
           <a:prstGeom prst="rect">
             <a:avLst/>
           </a:prstGeom>
         </p:spPr>
       </p:pic>
-      <p:sp>
-        <p:nvSpPr>
-          <p:cNvPr id="4" name="TextBox 3"/>
+    </p:spTree>
+  </p:cSld>
+  <p:clrMapOvr>
+    <a:masterClrMapping/>
+  </p:clrMapOvr>
+</p:sld>
+</file>
+
+<file path=ppt/slides/slide7.xml><?xml version="1.0" encoding="utf-8"?>
+<p:sld xmlns:a="http://schemas.openxmlformats.org/drawingml/2006/main" xmlns:p="http://schemas.openxmlformats.org/presentationml/2006/main" xmlns:r="http://schemas.openxmlformats.org/officeDocument/2006/relationships">
+  <p:cSld>
+    <p:bg>
+      <p:bgPr>
+        <a:solidFill>
+          <a:srgbClr val="FF0000"/>
+        </a:solidFill>
+        <a:effectLst/>
+      </p:bgPr>
+    </p:bg>
+    <p:spTree>
+      <p:nvGrpSpPr>
+        <p:cNvPr id="1" name=""/>
+        <p:cNvGrpSpPr/>
+        <p:nvPr/>
+      </p:nvGrpSpPr>
+      <p:grpSpPr/>
+      <p:sp>
+        <p:nvSpPr>
+          <p:cNvPr id="2" name="Title 1"/>
+          <p:cNvSpPr>
+            <a:spLocks noGrp="1"/>
+          </p:cNvSpPr>
+          <p:nvPr>
+            <p:ph type="title"/>
+          </p:nvPr>
+        </p:nvSpPr>
+        <p:spPr/>
+        <p:txBody>
+          <a:bodyPr/>
+          <a:lstStyle/>
+          <a:p>
+            <a:pPr>
+              <a:defRPr>
+                <a:solidFill>
+                  <a:srgbClr val="000000"/>
+                </a:solidFill>
+                <a:latin typeface="Verdana"/>
+              </a:defRPr>
+            </a:pPr>
+            <a:r>
+              <a:t>Conclusion</a:t>
+            </a:r>
+          </a:p>
+        </p:txBody>
+      </p:sp>
+      <p:sp>
+        <p:nvSpPr>
+          <p:cNvPr id="3" name="TextBox 2"/>
           <p:cNvSpPr txBox="1"/>
           <p:nvPr/>
         </p:nvSpPr>
         <p:spPr>
           <a:xfrm>
-            <a:off x="5943600" y="1828800"/>
-            <a:ext cx="6400800" cy="2743200"/>
+            <a:off x="914400" y="1828800"/>
+            <a:ext cx="12801600" cy="3657600"/>
           </a:xfrm>
           <a:prstGeom prst="rect">
             <a:avLst/>
@@ -4080,132 +4033,81 @@
           </a:bodyPr>
           <a:lstStyle/>
           <a:p>
-            <a:r>
-              <a:t>Future Trends on cat:</a:t>
-            </a:r>
-          </a:p>
-          <a:p>
             <a:pPr>
-              <a:defRPr sz="1800">
-                <a:latin typeface="Times New Roman"/>
+              <a:defRPr>
+                <a:solidFill>
+                  <a:srgbClr val="000000"/>
+                </a:solidFill>
+                <a:latin typeface="Verdana"/>
               </a:defRPr>
             </a:pPr>
             <a:r>
-              <a:t>- Error fetching Wikipedia data: "can" may refer to: </a:t>
-            </a:r>
-            <a:br/>
-            <a:r>
-              <a:t>ability</a:t>
-            </a:r>
-            <a:br/>
-            <a:br/>
-            <a:r>
-              <a:t>probability</a:t>
-            </a:r>
-            <a:br/>
-            <a:r>
-              <a:t>canning</a:t>
-            </a:r>
-            <a:br/>
-            <a:r>
-              <a:t>Aluminum can</a:t>
-            </a:r>
-            <a:br/>
-            <a:r>
-              <a:t>Drink can</a:t>
-            </a:r>
-            <a:br/>
-            <a:r>
-              <a:t>Steel and tin can</a:t>
-            </a:r>
-            <a:br/>
-            <a:r>
-              <a:t>s</a:t>
-            </a:r>
-            <a:br/>
-            <a:r>
-              <a:t>Trash can</a:t>
-            </a:r>
-            <a:br/>
-            <a:r>
-              <a:t>Oil can</a:t>
-            </a:r>
-            <a:br/>
-            <a:r>
-              <a:t>Petrol can</a:t>
-            </a:r>
-            <a:br/>
-            <a:r>
-              <a:t>Can (band)</a:t>
-            </a:r>
-            <a:br/>
-            <a:r>
-              <a:t>Can (album)</a:t>
-            </a:r>
-            <a:br/>
-            <a:r>
-              <a:t>Can (S</a:t>
-            </a:r>
-            <a:br/>
-            <a:r>
-              <a:t>outh Korean band)</a:t>
-            </a:r>
-            <a:br/>
-            <a:r>
-              <a:t>Canada</a:t>
-            </a:r>
-            <a:br/>
-            <a:r>
-              <a:t>Cantoris</a:t>
-            </a:r>
-            <a:br/>
-            <a:r>
-              <a:t>Can (name)</a:t>
-            </a:r>
-            <a:br/>
-            <a:r>
-              <a:t>Can (verb)</a:t>
-            </a:r>
-            <a:br/>
-            <a:r>
-              <a:t>Cann</a:t>
-            </a:r>
-            <a:br/>
-            <a:r>
-              <a:t>ing</a:t>
-            </a:r>
-            <a:br/>
-            <a:r>
-              <a:t>River Can</a:t>
-            </a:r>
-            <a:br/>
-            <a:r>
-              <a:t>Tomato can (sports idiom)</a:t>
-            </a:r>
-            <a:br/>
-            <a:r>
-              <a:t>CAN (disambiguation)</a:t>
-            </a:r>
-            <a:br/>
-            <a:br/>
-            <a:r>
-              <a:t>Cann (disambiguation)</a:t>
-            </a:r>
-            <a:br/>
-            <a:r>
-              <a:t>Cans (disambiguation)</a:t>
-            </a:r>
-            <a:br/>
-            <a:r>
-              <a:t>Kan (disambigua</a:t>
-            </a:r>
-            <a:br/>
-            <a:r>
-              <a:t>tion)</a:t>
-            </a:r>
-            <a:br/>
-            <a:r>
-              <a:t>Can-can (disambiguation)</a:t>
+              <a:t>Key Takeaways:</a:t>
+            </a:r>
+          </a:p>
+          <a:p>
+            <a:pPr>
+              <a:defRPr sz="2200">
+                <a:solidFill>
+                  <a:srgbClr val="000000"/>
+                </a:solidFill>
+                <a:latin typeface="Verdana"/>
+              </a:defRPr>
+            </a:pPr>
+            <a:r>
+              <a:t>- Introduction</a:t>
+            </a:r>
+          </a:p>
+          <a:p>
+            <a:pPr>
+              <a:defRPr sz="2200">
+                <a:solidFill>
+                  <a:srgbClr val="000000"/>
+                </a:solidFill>
+                <a:latin typeface="Verdana"/>
+              </a:defRPr>
+            </a:pPr>
+            <a:r>
+              <a:t>- Key Features</a:t>
+            </a:r>
+          </a:p>
+          <a:p>
+            <a:pPr>
+              <a:defRPr sz="2200">
+                <a:solidFill>
+                  <a:srgbClr val="000000"/>
+                </a:solidFill>
+                <a:latin typeface="Verdana"/>
+              </a:defRPr>
+            </a:pPr>
+            <a:r>
+              <a:t>- Benefits</a:t>
+            </a:r>
+          </a:p>
+          <a:p>
+            <a:pPr>
+              <a:defRPr sz="2200">
+                <a:solidFill>
+                  <a:srgbClr val="000000"/>
+                </a:solidFill>
+                <a:latin typeface="Verdana"/>
+              </a:defRPr>
+            </a:pPr>
+            <a:r>
+              <a:t>- Challenges</a:t>
+            </a:r>
+          </a:p>
+          <a:p>
+            <a:pPr>
+              <a:defRPr sz="2200">
+                <a:solidFill>
+                  <a:srgbClr val="000000"/>
+                </a:solidFill>
+                <a:latin typeface="Verdana"/>
+              </a:defRPr>
+            </a:pPr>
+            <a:r>
+              <a:t>- Future Scope</a:t>
             </a:r>
           </a:p>
         </p:txBody>
